--- a/docs/reports/презентация.pptx
+++ b/docs/reports/презентация.pptx
@@ -158,6 +158,32 @@
     </p:ext>
   </p:extLst>
 </p:presentation>
+</file>
+
+<file path=ppt/commentAuthors.xml><?xml version="1.0" encoding="utf-8"?>
+<p:cmAuthorLst xmlns:a="http://schemas.openxmlformats.org/drawingml/2006/main" xmlns:r="http://schemas.openxmlformats.org/officeDocument/2006/relationships" xmlns:p="http://schemas.openxmlformats.org/presentationml/2006/main">
+  <p:cmAuthor id="1" name="Учетная запись Майкрософт" initials="УзМ" lastIdx="1" clrIdx="0">
+    <p:extLst>
+      <p:ext uri="{19B8F6BF-5375-455C-9EA6-DF929625EA0E}">
+        <p15:presenceInfo xmlns:p15="http://schemas.microsoft.com/office/powerpoint/2012/main" userId="9000e4bd14c67eb2" providerId="Windows Live"/>
+      </p:ext>
+    </p:extLst>
+  </p:cmAuthor>
+</p:cmAuthorLst>
+</file>
+
+<file path=ppt/comments/comment1.xml><?xml version="1.0" encoding="utf-8"?>
+<p:cmLst xmlns:a="http://schemas.openxmlformats.org/drawingml/2006/main" xmlns:r="http://schemas.openxmlformats.org/officeDocument/2006/relationships" xmlns:p="http://schemas.openxmlformats.org/presentationml/2006/main">
+  <p:cm authorId="1" dt="2022-04-06T17:22:06.444" idx="1">
+    <p:pos x="10" y="10"/>
+    <p:text/>
+    <p:extLst>
+      <p:ext uri="{C676402C-5697-4E1C-873F-D02D1690AC5C}">
+        <p15:threadingInfo xmlns:p15="http://schemas.microsoft.com/office/powerpoint/2012/main" timeZoneBias="-180"/>
+      </p:ext>
+    </p:extLst>
+  </p:cm>
+</p:cmLst>
 </file>
 
 <file path=ppt/handoutMasters/handoutMaster1.xml><?xml version="1.0" encoding="utf-8"?>
@@ -4967,7 +4993,17 @@
                   </a:schemeClr>
                 </a:solidFill>
               </a:rPr>
-              <a:t>2/12</a:t>
+              <a:t>2/1</a:t>
+            </a:r>
+            <a:r>
+              <a:rPr lang="ru-RU" sz="1400" dirty="0" smtClean="0">
+                <a:solidFill>
+                  <a:schemeClr val="tx2">
+                    <a:lumMod val="75000"/>
+                  </a:schemeClr>
+                </a:solidFill>
+              </a:rPr>
+              <a:t>0</a:t>
             </a:r>
             <a:endParaRPr lang="ru-RU" sz="1400" dirty="0">
               <a:solidFill>
@@ -5328,7 +5364,17 @@
                   </a:schemeClr>
                 </a:solidFill>
               </a:rPr>
-              <a:t>3/12</a:t>
+              <a:t>3/1</a:t>
+            </a:r>
+            <a:r>
+              <a:rPr lang="ru-RU" sz="1400" dirty="0" smtClean="0">
+                <a:solidFill>
+                  <a:schemeClr val="tx2">
+                    <a:lumMod val="75000"/>
+                  </a:schemeClr>
+                </a:solidFill>
+              </a:rPr>
+              <a:t>0</a:t>
             </a:r>
             <a:endParaRPr lang="ru-RU" sz="1400" dirty="0">
               <a:solidFill>
@@ -5434,7 +5480,7 @@
         </p:nvSpPr>
         <p:spPr>
           <a:xfrm>
-            <a:off x="457200" y="1269275"/>
+            <a:off x="457199" y="1051560"/>
             <a:ext cx="8229600" cy="4525963"/>
           </a:xfrm>
         </p:spPr>
@@ -5443,15 +5489,6 @@
             <a:normAutofit/>
           </a:bodyPr>
           <a:lstStyle/>
-          <a:p>
-            <a:endParaRPr lang="ru-RU" sz="2400" dirty="0" smtClean="0">
-              <a:solidFill>
-                <a:schemeClr val="tx2">
-                  <a:lumMod val="75000"/>
-                </a:schemeClr>
-              </a:solidFill>
-            </a:endParaRPr>
-          </a:p>
           <a:p>
             <a:r>
               <a:rPr lang="ru-RU" sz="2400" dirty="0" smtClean="0">
@@ -5651,9 +5688,259 @@
                   </a:schemeClr>
                 </a:solidFill>
               </a:rPr>
-              <a:t>4/12</a:t>
+              <a:t>4/1</a:t>
+            </a:r>
+            <a:r>
+              <a:rPr lang="ru-RU" sz="1400" dirty="0">
+                <a:solidFill>
+                  <a:schemeClr val="tx2">
+                    <a:lumMod val="75000"/>
+                  </a:schemeClr>
+                </a:solidFill>
+              </a:rPr>
+              <a:t>0</a:t>
             </a:r>
             <a:endParaRPr lang="ru-RU" sz="1400" dirty="0">
+              <a:solidFill>
+                <a:schemeClr val="tx2">
+                  <a:lumMod val="75000"/>
+                </a:schemeClr>
+              </a:solidFill>
+            </a:endParaRPr>
+          </a:p>
+        </p:txBody>
+      </p:sp>
+      <p:pic>
+        <p:nvPicPr>
+          <p:cNvPr id="3" name="Рисунок 2"/>
+          <p:cNvPicPr>
+            <a:picLocks noChangeAspect="1"/>
+          </p:cNvPicPr>
+          <p:nvPr/>
+        </p:nvPicPr>
+        <p:blipFill>
+          <a:blip r:embed="rId2"/>
+          <a:stretch>
+            <a:fillRect/>
+          </a:stretch>
+        </p:blipFill>
+        <p:spPr>
+          <a:xfrm>
+            <a:off x="884950" y="3438808"/>
+            <a:ext cx="3286455" cy="599009"/>
+          </a:xfrm>
+          <a:prstGeom prst="rect">
+            <a:avLst/>
+          </a:prstGeom>
+        </p:spPr>
+      </p:pic>
+      <p:pic>
+        <p:nvPicPr>
+          <p:cNvPr id="4" name="Рисунок 3"/>
+          <p:cNvPicPr>
+            <a:picLocks noChangeAspect="1"/>
+          </p:cNvPicPr>
+          <p:nvPr/>
+        </p:nvPicPr>
+        <p:blipFill>
+          <a:blip r:embed="rId3"/>
+          <a:stretch>
+            <a:fillRect/>
+          </a:stretch>
+        </p:blipFill>
+        <p:spPr>
+          <a:xfrm>
+            <a:off x="4969802" y="2795138"/>
+            <a:ext cx="2099991" cy="1193075"/>
+          </a:xfrm>
+          <a:prstGeom prst="rect">
+            <a:avLst/>
+          </a:prstGeom>
+        </p:spPr>
+      </p:pic>
+      <p:pic>
+        <p:nvPicPr>
+          <p:cNvPr id="5" name="Рисунок 4"/>
+          <p:cNvPicPr>
+            <a:picLocks noChangeAspect="1"/>
+          </p:cNvPicPr>
+          <p:nvPr/>
+        </p:nvPicPr>
+        <p:blipFill>
+          <a:blip r:embed="rId4"/>
+          <a:stretch>
+            <a:fillRect/>
+          </a:stretch>
+        </p:blipFill>
+        <p:spPr>
+          <a:xfrm>
+            <a:off x="963249" y="4464231"/>
+            <a:ext cx="3044987" cy="1359467"/>
+          </a:xfrm>
+          <a:prstGeom prst="rect">
+            <a:avLst/>
+          </a:prstGeom>
+        </p:spPr>
+      </p:pic>
+      <p:pic>
+        <p:nvPicPr>
+          <p:cNvPr id="7" name="Рисунок 6"/>
+          <p:cNvPicPr>
+            <a:picLocks noChangeAspect="1"/>
+          </p:cNvPicPr>
+          <p:nvPr/>
+        </p:nvPicPr>
+        <p:blipFill>
+          <a:blip r:embed="rId5"/>
+          <a:stretch>
+            <a:fillRect/>
+          </a:stretch>
+        </p:blipFill>
+        <p:spPr>
+          <a:xfrm>
+            <a:off x="4969802" y="4551385"/>
+            <a:ext cx="2099991" cy="1272313"/>
+          </a:xfrm>
+          <a:prstGeom prst="rect">
+            <a:avLst/>
+          </a:prstGeom>
+        </p:spPr>
+      </p:pic>
+      <p:sp>
+        <p:nvSpPr>
+          <p:cNvPr id="9" name="TextBox 8"/>
+          <p:cNvSpPr txBox="1"/>
+          <p:nvPr/>
+        </p:nvSpPr>
+        <p:spPr>
+          <a:xfrm>
+            <a:off x="982406" y="4034624"/>
+            <a:ext cx="6938553" cy="369332"/>
+          </a:xfrm>
+          <a:prstGeom prst="rect">
+            <a:avLst/>
+          </a:prstGeom>
+          <a:noFill/>
+        </p:spPr>
+        <p:txBody>
+          <a:bodyPr wrap="square" rtlCol="0">
+            <a:spAutoFit/>
+          </a:bodyPr>
+          <a:lstStyle/>
+          <a:p>
+            <a:r>
+              <a:rPr lang="en-US" dirty="0" smtClean="0">
+                <a:solidFill>
+                  <a:schemeClr val="tx2">
+                    <a:lumMod val="75000"/>
+                  </a:schemeClr>
+                </a:solidFill>
+              </a:rPr>
+              <a:t>	Snakes			</a:t>
+            </a:r>
+            <a:r>
+              <a:rPr lang="ru-RU" dirty="0" smtClean="0">
+                <a:solidFill>
+                  <a:schemeClr val="tx2">
+                    <a:lumMod val="75000"/>
+                  </a:schemeClr>
+                </a:solidFill>
+              </a:rPr>
+              <a:t>Сопоставление </a:t>
+            </a:r>
+            <a:r>
+              <a:rPr lang="ru-RU" dirty="0">
+                <a:solidFill>
+                  <a:schemeClr val="tx2">
+                    <a:lumMod val="75000"/>
+                  </a:schemeClr>
+                </a:solidFill>
+              </a:rPr>
+              <a:t>шаблонов</a:t>
+            </a:r>
+            <a:endParaRPr lang="ru-RU" dirty="0">
+              <a:solidFill>
+                <a:schemeClr val="tx2">
+                  <a:lumMod val="75000"/>
+                </a:schemeClr>
+              </a:solidFill>
+            </a:endParaRPr>
+          </a:p>
+        </p:txBody>
+      </p:sp>
+      <p:sp>
+        <p:nvSpPr>
+          <p:cNvPr id="10" name="TextBox 9"/>
+          <p:cNvSpPr txBox="1"/>
+          <p:nvPr/>
+        </p:nvSpPr>
+        <p:spPr>
+          <a:xfrm>
+            <a:off x="982405" y="5978044"/>
+            <a:ext cx="7377823" cy="369332"/>
+          </a:xfrm>
+          <a:prstGeom prst="rect">
+            <a:avLst/>
+          </a:prstGeom>
+          <a:noFill/>
+        </p:spPr>
+        <p:txBody>
+          <a:bodyPr wrap="square" rtlCol="0">
+            <a:spAutoFit/>
+          </a:bodyPr>
+          <a:lstStyle/>
+          <a:p>
+            <a:r>
+              <a:rPr lang="en-US" dirty="0">
+                <a:solidFill>
+                  <a:schemeClr val="tx2">
+                    <a:lumMod val="75000"/>
+                  </a:schemeClr>
+                </a:solidFill>
+              </a:rPr>
+              <a:t>Deformable Parts </a:t>
+            </a:r>
+            <a:r>
+              <a:rPr lang="en-US" dirty="0" smtClean="0">
+                <a:solidFill>
+                  <a:schemeClr val="tx2">
+                    <a:lumMod val="75000"/>
+                  </a:schemeClr>
+                </a:solidFill>
+              </a:rPr>
+              <a:t>Model                           </a:t>
+            </a:r>
+            <a:r>
+              <a:rPr lang="ru-RU" dirty="0" smtClean="0">
+                <a:solidFill>
+                  <a:schemeClr val="tx2">
+                    <a:lumMod val="75000"/>
+                  </a:schemeClr>
+                </a:solidFill>
+              </a:rPr>
+              <a:t>Модель </a:t>
+            </a:r>
+            <a:r>
+              <a:rPr lang="ru-RU" dirty="0">
+                <a:solidFill>
+                  <a:schemeClr val="tx2">
+                    <a:lumMod val="75000"/>
+                  </a:schemeClr>
+                </a:solidFill>
+              </a:rPr>
+              <a:t>распределения точек</a:t>
+            </a:r>
+            <a:r>
+              <a:rPr lang="en-US" dirty="0" smtClean="0">
+                <a:solidFill>
+                  <a:schemeClr val="tx2">
+                    <a:lumMod val="75000"/>
+                  </a:schemeClr>
+                </a:solidFill>
+              </a:rPr>
+              <a:t>        </a:t>
+            </a:r>
+            <a:endParaRPr lang="ru-RU" dirty="0">
               <a:solidFill>
                 <a:schemeClr val="tx2">
                   <a:lumMod val="75000"/>
@@ -5767,13 +6054,13 @@
         </p:nvSpPr>
         <p:spPr>
           <a:xfrm>
-            <a:off x="457200" y="1269275"/>
-            <a:ext cx="8229600" cy="4525963"/>
+            <a:off x="457200" y="1129939"/>
+            <a:ext cx="8229600" cy="1595844"/>
           </a:xfrm>
         </p:spPr>
         <p:txBody>
           <a:bodyPr>
-            <a:normAutofit/>
+            <a:normAutofit fontScale="77500" lnSpcReduction="20000"/>
           </a:bodyPr>
           <a:lstStyle/>
           <a:p>
@@ -6170,6 +6457,16 @@
           <a:lstStyle/>
           <a:p>
             <a:r>
+              <a:rPr lang="ru-RU" sz="1400" dirty="0" smtClean="0">
+                <a:solidFill>
+                  <a:schemeClr val="tx2">
+                    <a:lumMod val="75000"/>
+                  </a:schemeClr>
+                </a:solidFill>
+              </a:rPr>
+              <a:t>5</a:t>
+            </a:r>
+            <a:r>
               <a:rPr lang="en-US" sz="1400" dirty="0" smtClean="0">
                 <a:solidFill>
                   <a:schemeClr val="tx2">
@@ -6177,9 +6474,293 @@
                   </a:schemeClr>
                 </a:solidFill>
               </a:rPr>
-              <a:t>4/12</a:t>
+              <a:t>/1</a:t>
+            </a:r>
+            <a:r>
+              <a:rPr lang="ru-RU" sz="1400" dirty="0" smtClean="0">
+                <a:solidFill>
+                  <a:schemeClr val="tx2">
+                    <a:lumMod val="75000"/>
+                  </a:schemeClr>
+                </a:solidFill>
+              </a:rPr>
+              <a:t>0</a:t>
             </a:r>
             <a:endParaRPr lang="ru-RU" sz="1400" dirty="0">
+              <a:solidFill>
+                <a:schemeClr val="tx2">
+                  <a:lumMod val="75000"/>
+                </a:schemeClr>
+              </a:solidFill>
+            </a:endParaRPr>
+          </a:p>
+        </p:txBody>
+      </p:sp>
+      <p:pic>
+        <p:nvPicPr>
+          <p:cNvPr id="10" name="Рисунок 9"/>
+          <p:cNvPicPr/>
+          <p:nvPr/>
+        </p:nvPicPr>
+        <p:blipFill>
+          <a:blip r:embed="rId2"/>
+          <a:stretch>
+            <a:fillRect/>
+          </a:stretch>
+        </p:blipFill>
+        <p:spPr>
+          <a:xfrm>
+            <a:off x="306433" y="2494776"/>
+            <a:ext cx="3534047" cy="1840230"/>
+          </a:xfrm>
+          <a:prstGeom prst="rect">
+            <a:avLst/>
+          </a:prstGeom>
+        </p:spPr>
+      </p:pic>
+      <p:pic>
+        <p:nvPicPr>
+          <p:cNvPr id="11" name="Рисунок 10"/>
+          <p:cNvPicPr/>
+          <p:nvPr/>
+        </p:nvPicPr>
+        <p:blipFill>
+          <a:blip r:embed="rId3"/>
+          <a:stretch>
+            <a:fillRect/>
+          </a:stretch>
+        </p:blipFill>
+        <p:spPr>
+          <a:xfrm>
+            <a:off x="4236720" y="2516770"/>
+            <a:ext cx="4907280" cy="1840230"/>
+          </a:xfrm>
+          <a:prstGeom prst="rect">
+            <a:avLst/>
+          </a:prstGeom>
+        </p:spPr>
+      </p:pic>
+      <p:pic>
+        <p:nvPicPr>
+          <p:cNvPr id="14" name="Рисунок 13"/>
+          <p:cNvPicPr/>
+          <p:nvPr/>
+        </p:nvPicPr>
+        <p:blipFill>
+          <a:blip r:embed="rId4"/>
+          <a:stretch>
+            <a:fillRect/>
+          </a:stretch>
+        </p:blipFill>
+        <p:spPr>
+          <a:xfrm>
+            <a:off x="4889363" y="4692704"/>
+            <a:ext cx="3710351" cy="1401217"/>
+          </a:xfrm>
+          <a:prstGeom prst="rect">
+            <a:avLst/>
+          </a:prstGeom>
+        </p:spPr>
+      </p:pic>
+      <p:sp>
+        <p:nvSpPr>
+          <p:cNvPr id="13" name="TextBox 12"/>
+          <p:cNvSpPr txBox="1"/>
+          <p:nvPr/>
+        </p:nvSpPr>
+        <p:spPr>
+          <a:xfrm>
+            <a:off x="136616" y="4251982"/>
+            <a:ext cx="8463098" cy="369332"/>
+          </a:xfrm>
+          <a:prstGeom prst="rect">
+            <a:avLst/>
+          </a:prstGeom>
+          <a:noFill/>
+        </p:spPr>
+        <p:txBody>
+          <a:bodyPr wrap="square" rtlCol="0">
+            <a:spAutoFit/>
+          </a:bodyPr>
+          <a:lstStyle/>
+          <a:p>
+            <a:r>
+              <a:rPr lang="ru-RU" dirty="0" smtClean="0">
+                <a:solidFill>
+                  <a:schemeClr val="tx2">
+                    <a:lumMod val="75000"/>
+                  </a:schemeClr>
+                </a:solidFill>
+              </a:rPr>
+              <a:t>Контрольная сумма локального градиента 		</a:t>
+            </a:r>
+            <a:r>
+              <a:rPr lang="ru-RU" dirty="0" err="1" smtClean="0">
+                <a:solidFill>
+                  <a:schemeClr val="tx2">
+                    <a:lumMod val="75000"/>
+                  </a:schemeClr>
+                </a:solidFill>
+              </a:rPr>
+              <a:t>Самоподобие</a:t>
+            </a:r>
+            <a:r>
+              <a:rPr lang="ru-RU" dirty="0" smtClean="0">
+                <a:solidFill>
+                  <a:schemeClr val="tx2">
+                    <a:lumMod val="75000"/>
+                  </a:schemeClr>
+                </a:solidFill>
+              </a:rPr>
+              <a:t> </a:t>
+            </a:r>
+            <a:r>
+              <a:rPr lang="ru-RU" dirty="0">
+                <a:solidFill>
+                  <a:schemeClr val="tx2">
+                    <a:lumMod val="75000"/>
+                  </a:schemeClr>
+                </a:solidFill>
+              </a:rPr>
+              <a:t>лица</a:t>
+            </a:r>
+            <a:endParaRPr lang="ru-RU" dirty="0">
+              <a:solidFill>
+                <a:schemeClr val="tx2">
+                  <a:lumMod val="75000"/>
+                </a:schemeClr>
+              </a:solidFill>
+            </a:endParaRPr>
+          </a:p>
+        </p:txBody>
+      </p:sp>
+      <p:pic>
+        <p:nvPicPr>
+          <p:cNvPr id="15" name="Рисунок 14"/>
+          <p:cNvPicPr>
+            <a:picLocks noChangeAspect="1"/>
+          </p:cNvPicPr>
+          <p:nvPr/>
+        </p:nvPicPr>
+        <p:blipFill>
+          <a:blip r:embed="rId5"/>
+          <a:stretch>
+            <a:fillRect/>
+          </a:stretch>
+        </p:blipFill>
+        <p:spPr>
+          <a:xfrm>
+            <a:off x="975497" y="4561234"/>
+            <a:ext cx="2398576" cy="1530978"/>
+          </a:xfrm>
+          <a:prstGeom prst="rect">
+            <a:avLst/>
+          </a:prstGeom>
+        </p:spPr>
+      </p:pic>
+      <p:sp>
+        <p:nvSpPr>
+          <p:cNvPr id="17" name="TextBox 16"/>
+          <p:cNvSpPr txBox="1"/>
+          <p:nvPr/>
+        </p:nvSpPr>
+        <p:spPr>
+          <a:xfrm>
+            <a:off x="306433" y="6174377"/>
+            <a:ext cx="8531134" cy="369332"/>
+          </a:xfrm>
+          <a:prstGeom prst="rect">
+            <a:avLst/>
+          </a:prstGeom>
+          <a:noFill/>
+        </p:spPr>
+        <p:txBody>
+          <a:bodyPr wrap="square" rtlCol="0">
+            <a:spAutoFit/>
+          </a:bodyPr>
+          <a:lstStyle/>
+          <a:p>
+            <a:r>
+              <a:rPr lang="ru-RU" dirty="0">
+                <a:solidFill>
+                  <a:schemeClr val="tx2">
+                    <a:lumMod val="75000"/>
+                  </a:schemeClr>
+                </a:solidFill>
+              </a:rPr>
+              <a:t>Комбинация </a:t>
+            </a:r>
+            <a:r>
+              <a:rPr lang="en-US" dirty="0" err="1">
+                <a:solidFill>
+                  <a:schemeClr val="tx2">
+                    <a:lumMod val="75000"/>
+                  </a:schemeClr>
+                </a:solidFill>
+              </a:rPr>
+              <a:t>HoG</a:t>
+            </a:r>
+            <a:r>
+              <a:rPr lang="en-US" dirty="0">
+                <a:solidFill>
+                  <a:schemeClr val="tx2">
+                    <a:lumMod val="75000"/>
+                  </a:schemeClr>
+                </a:solidFill>
+              </a:rPr>
+              <a:t> </a:t>
+            </a:r>
+            <a:r>
+              <a:rPr lang="ru-RU" dirty="0">
+                <a:solidFill>
+                  <a:schemeClr val="tx2">
+                    <a:lumMod val="75000"/>
+                  </a:schemeClr>
+                </a:solidFill>
+              </a:rPr>
+              <a:t>и </a:t>
+            </a:r>
+            <a:r>
+              <a:rPr lang="en-US" dirty="0" smtClean="0">
+                <a:solidFill>
+                  <a:schemeClr val="tx2">
+                    <a:lumMod val="75000"/>
+                  </a:schemeClr>
+                </a:solidFill>
+              </a:rPr>
+              <a:t>GLCM</a:t>
+            </a:r>
+            <a:r>
+              <a:rPr lang="ru-RU" dirty="0" smtClean="0">
+                <a:solidFill>
+                  <a:schemeClr val="tx2">
+                    <a:lumMod val="75000"/>
+                  </a:schemeClr>
+                </a:solidFill>
+              </a:rPr>
+              <a:t>			</a:t>
+            </a:r>
+            <a:r>
+              <a:rPr lang="ru-RU" dirty="0">
+                <a:solidFill>
+                  <a:schemeClr val="tx2">
+                    <a:lumMod val="75000"/>
+                  </a:schemeClr>
+                </a:solidFill>
+              </a:rPr>
+              <a:t>	Использование </a:t>
+            </a:r>
+            <a:r>
+              <a:rPr lang="en-US" dirty="0">
+                <a:solidFill>
+                  <a:schemeClr val="tx2">
+                    <a:lumMod val="75000"/>
+                  </a:schemeClr>
+                </a:solidFill>
+              </a:rPr>
+              <a:t>SIFT</a:t>
+            </a:r>
+            <a:endParaRPr lang="ru-RU" dirty="0">
               <a:solidFill>
                 <a:schemeClr val="tx2">
                   <a:lumMod val="75000"/>
@@ -6385,7 +6966,17 @@
                   </a:schemeClr>
                 </a:solidFill>
               </a:rPr>
-              <a:t>/12</a:t>
+              <a:t>/1</a:t>
+            </a:r>
+            <a:r>
+              <a:rPr lang="ru-RU" sz="1400" dirty="0" smtClean="0">
+                <a:solidFill>
+                  <a:schemeClr val="tx2">
+                    <a:lumMod val="75000"/>
+                  </a:schemeClr>
+                </a:solidFill>
+              </a:rPr>
+              <a:t>0</a:t>
             </a:r>
             <a:endParaRPr lang="ru-RU" sz="1400" dirty="0">
               <a:solidFill>
@@ -6514,7 +7105,7 @@
         </p:blipFill>
         <p:spPr>
           <a:xfrm>
-            <a:off x="2039982" y="3837995"/>
+            <a:off x="182880" y="3078064"/>
             <a:ext cx="4419600" cy="2337435"/>
           </a:xfrm>
           <a:prstGeom prst="rect">
@@ -6543,6 +7134,16 @@
           <a:lstStyle/>
           <a:p>
             <a:r>
+              <a:rPr lang="ru-RU" sz="1400" dirty="0" smtClean="0">
+                <a:solidFill>
+                  <a:schemeClr val="tx2">
+                    <a:lumMod val="75000"/>
+                  </a:schemeClr>
+                </a:solidFill>
+              </a:rPr>
+              <a:t>7</a:t>
+            </a:r>
+            <a:r>
               <a:rPr lang="en-US" sz="1400" dirty="0" smtClean="0">
                 <a:solidFill>
                   <a:schemeClr val="tx2">
@@ -6550,7 +7151,17 @@
                   </a:schemeClr>
                 </a:solidFill>
               </a:rPr>
-              <a:t>9/12</a:t>
+              <a:t>/1</a:t>
+            </a:r>
+            <a:r>
+              <a:rPr lang="ru-RU" sz="1400" dirty="0" smtClean="0">
+                <a:solidFill>
+                  <a:schemeClr val="tx2">
+                    <a:lumMod val="75000"/>
+                  </a:schemeClr>
+                </a:solidFill>
+              </a:rPr>
+              <a:t>0</a:t>
             </a:r>
             <a:endParaRPr lang="ru-RU" sz="1400" dirty="0">
               <a:solidFill>
@@ -6578,7 +7189,7 @@
         </p:blipFill>
         <p:spPr>
           <a:xfrm>
-            <a:off x="1631196" y="973005"/>
+            <a:off x="5236544" y="2923817"/>
             <a:ext cx="3141101" cy="2455662"/>
           </a:xfrm>
           <a:prstGeom prst="rect">
@@ -6586,6 +7197,139 @@
           </a:prstGeom>
         </p:spPr>
       </p:pic>
+      <p:sp>
+        <p:nvSpPr>
+          <p:cNvPr id="4" name="TextBox 3"/>
+          <p:cNvSpPr txBox="1"/>
+          <p:nvPr/>
+        </p:nvSpPr>
+        <p:spPr>
+          <a:xfrm>
+            <a:off x="0" y="1053737"/>
+            <a:ext cx="9204960" cy="1200329"/>
+          </a:xfrm>
+          <a:prstGeom prst="rect">
+            <a:avLst/>
+          </a:prstGeom>
+          <a:noFill/>
+        </p:spPr>
+        <p:txBody>
+          <a:bodyPr wrap="square" rtlCol="0">
+            <a:spAutoFit/>
+          </a:bodyPr>
+          <a:lstStyle/>
+          <a:p>
+            <a:r>
+              <a:rPr lang="ru-RU" sz="2400" dirty="0">
+                <a:solidFill>
+                  <a:schemeClr val="tx2">
+                    <a:lumMod val="75000"/>
+                  </a:schemeClr>
+                </a:solidFill>
+              </a:rPr>
+              <a:t>Цель данной работы – выяснить, позволяет ли перенос стиля улучшить значение метрики </a:t>
+            </a:r>
+            <a:r>
+              <a:rPr lang="ru-RU" sz="2400" dirty="0" smtClean="0">
+                <a:solidFill>
+                  <a:schemeClr val="tx2">
+                    <a:lumMod val="75000"/>
+                  </a:schemeClr>
+                </a:solidFill>
+              </a:rPr>
+              <a:t>близости между </a:t>
+            </a:r>
+            <a:r>
+              <a:rPr lang="ru-RU" sz="2400" dirty="0" err="1">
+                <a:solidFill>
+                  <a:schemeClr val="tx2">
+                    <a:lumMod val="75000"/>
+                  </a:schemeClr>
+                </a:solidFill>
+              </a:rPr>
+              <a:t>энкодингами</a:t>
+            </a:r>
+            <a:r>
+              <a:rPr lang="ru-RU" sz="2400" dirty="0">
+                <a:solidFill>
+                  <a:schemeClr val="tx2">
+                    <a:lumMod val="75000"/>
+                  </a:schemeClr>
+                </a:solidFill>
+              </a:rPr>
+              <a:t> лиц на изображениях.</a:t>
+            </a:r>
+          </a:p>
+        </p:txBody>
+      </p:sp>
+      <p:sp>
+        <p:nvSpPr>
+          <p:cNvPr id="6" name="TextBox 5"/>
+          <p:cNvSpPr txBox="1"/>
+          <p:nvPr/>
+        </p:nvSpPr>
+        <p:spPr>
+          <a:xfrm>
+            <a:off x="243839" y="5528881"/>
+            <a:ext cx="8621485" cy="369332"/>
+          </a:xfrm>
+          <a:prstGeom prst="rect">
+            <a:avLst/>
+          </a:prstGeom>
+          <a:noFill/>
+        </p:spPr>
+        <p:txBody>
+          <a:bodyPr wrap="square" rtlCol="0">
+            <a:spAutoFit/>
+          </a:bodyPr>
+          <a:lstStyle/>
+          <a:p>
+            <a:r>
+              <a:rPr lang="ru-RU" dirty="0" smtClean="0">
+                <a:solidFill>
+                  <a:schemeClr val="tx2">
+                    <a:lumMod val="75000"/>
+                  </a:schemeClr>
+                </a:solidFill>
+              </a:rPr>
+              <a:t>Архитектура сети переноса стиля                                        Аффинное преобразование</a:t>
+            </a:r>
+            <a:endParaRPr lang="ru-RU" dirty="0">
+              <a:solidFill>
+                <a:schemeClr val="tx2">
+                  <a:lumMod val="75000"/>
+                </a:schemeClr>
+              </a:solidFill>
+            </a:endParaRPr>
+          </a:p>
+        </p:txBody>
+      </p:sp>
+      <p:sp>
+        <p:nvSpPr>
+          <p:cNvPr id="7" name="TextBox 6"/>
+          <p:cNvSpPr txBox="1"/>
+          <p:nvPr/>
+        </p:nvSpPr>
+        <p:spPr>
+          <a:xfrm>
+            <a:off x="104503" y="5172891"/>
+            <a:ext cx="8717280" cy="1288869"/>
+          </a:xfrm>
+          <a:prstGeom prst="rect">
+            <a:avLst/>
+          </a:prstGeom>
+          <a:noFill/>
+        </p:spPr>
+        <p:txBody>
+          <a:bodyPr wrap="square" rtlCol="0">
+            <a:spAutoFit/>
+          </a:bodyPr>
+          <a:lstStyle/>
+          <a:p>
+            <a:endParaRPr lang="ru-RU" dirty="0"/>
+          </a:p>
+        </p:txBody>
+      </p:sp>
     </p:spTree>
     <p:extLst>
       <p:ext uri="{BB962C8B-B14F-4D97-AF65-F5344CB8AC3E}">
@@ -6689,21 +7433,21 @@
                 <a:gridCol w="1067512">
                   <a:extLst>
                     <a:ext uri="{9D8B030D-6E8A-4147-A177-3AD203B41FA5}">
-                      <a16:colId xmlns:a16="http://schemas.microsoft.com/office/drawing/2014/main" xmlns="" val="3949819445"/>
+                      <a16:colId xmlns="" xmlns:a16="http://schemas.microsoft.com/office/drawing/2014/main" val="3949819445"/>
                     </a:ext>
                   </a:extLst>
                 </a:gridCol>
                 <a:gridCol w="3629920">
                   <a:extLst>
                     <a:ext uri="{9D8B030D-6E8A-4147-A177-3AD203B41FA5}">
-                      <a16:colId xmlns:a16="http://schemas.microsoft.com/office/drawing/2014/main" xmlns="" val="3631684812"/>
+                      <a16:colId xmlns="" xmlns:a16="http://schemas.microsoft.com/office/drawing/2014/main" val="3631684812"/>
                     </a:ext>
                   </a:extLst>
                 </a:gridCol>
                 <a:gridCol w="3136595">
                   <a:extLst>
                     <a:ext uri="{9D8B030D-6E8A-4147-A177-3AD203B41FA5}">
-                      <a16:colId xmlns:a16="http://schemas.microsoft.com/office/drawing/2014/main" xmlns="" val="3450314205"/>
+                      <a16:colId xmlns="" xmlns:a16="http://schemas.microsoft.com/office/drawing/2014/main" val="3450314205"/>
                     </a:ext>
                   </a:extLst>
                 </a:gridCol>
@@ -6824,7 +7568,7 @@
                 </a:tc>
                 <a:extLst>
                   <a:ext uri="{0D108BD9-81ED-4DB2-BD59-A6C34878D82A}">
-                    <a16:rowId xmlns:a16="http://schemas.microsoft.com/office/drawing/2014/main" xmlns="" val="2837755795"/>
+                    <a16:rowId xmlns="" xmlns:a16="http://schemas.microsoft.com/office/drawing/2014/main" val="2837755795"/>
                   </a:ext>
                 </a:extLst>
               </a:tr>
@@ -6926,7 +7670,7 @@
                 </a:tc>
                 <a:extLst>
                   <a:ext uri="{0D108BD9-81ED-4DB2-BD59-A6C34878D82A}">
-                    <a16:rowId xmlns:a16="http://schemas.microsoft.com/office/drawing/2014/main" xmlns="" val="455975606"/>
+                    <a16:rowId xmlns="" xmlns:a16="http://schemas.microsoft.com/office/drawing/2014/main" val="455975606"/>
                   </a:ext>
                 </a:extLst>
               </a:tr>
@@ -7022,7 +7766,7 @@
                 </a:tc>
                 <a:extLst>
                   <a:ext uri="{0D108BD9-81ED-4DB2-BD59-A6C34878D82A}">
-                    <a16:rowId xmlns:a16="http://schemas.microsoft.com/office/drawing/2014/main" xmlns="" val="1227127647"/>
+                    <a16:rowId xmlns="" xmlns:a16="http://schemas.microsoft.com/office/drawing/2014/main" val="1227127647"/>
                   </a:ext>
                 </a:extLst>
               </a:tr>
@@ -7103,6 +7847,16 @@
           <a:lstStyle/>
           <a:p>
             <a:r>
+              <a:rPr lang="ru-RU" sz="1400" dirty="0" smtClean="0">
+                <a:solidFill>
+                  <a:schemeClr val="tx2">
+                    <a:lumMod val="75000"/>
+                  </a:schemeClr>
+                </a:solidFill>
+              </a:rPr>
+              <a:t>8</a:t>
+            </a:r>
+            <a:r>
               <a:rPr lang="en-US" sz="1400" dirty="0" smtClean="0">
                 <a:solidFill>
                   <a:schemeClr val="tx2">
@@ -7110,7 +7864,17 @@
                   </a:schemeClr>
                 </a:solidFill>
               </a:rPr>
-              <a:t>10/12</a:t>
+              <a:t>/1</a:t>
+            </a:r>
+            <a:r>
+              <a:rPr lang="ru-RU" sz="1400" dirty="0" smtClean="0">
+                <a:solidFill>
+                  <a:schemeClr val="tx2">
+                    <a:lumMod val="75000"/>
+                  </a:schemeClr>
+                </a:solidFill>
+              </a:rPr>
+              <a:t>0</a:t>
             </a:r>
             <a:endParaRPr lang="ru-RU" sz="1400" dirty="0">
               <a:solidFill>
@@ -7146,6 +7910,52 @@
           </a:prstGeom>
         </p:spPr>
       </p:pic>
+      <p:sp>
+        <p:nvSpPr>
+          <p:cNvPr id="4" name="TextBox 3"/>
+          <p:cNvSpPr txBox="1"/>
+          <p:nvPr/>
+        </p:nvSpPr>
+        <p:spPr>
+          <a:xfrm>
+            <a:off x="557349" y="3309613"/>
+            <a:ext cx="7881257" cy="369332"/>
+          </a:xfrm>
+          <a:prstGeom prst="rect">
+            <a:avLst/>
+          </a:prstGeom>
+          <a:noFill/>
+        </p:spPr>
+        <p:txBody>
+          <a:bodyPr wrap="square" rtlCol="0">
+            <a:spAutoFit/>
+          </a:bodyPr>
+          <a:lstStyle/>
+          <a:p>
+            <a:r>
+              <a:rPr lang="ru-RU" dirty="0" smtClean="0"/>
+              <a:t>   </a:t>
+            </a:r>
+            <a:r>
+              <a:rPr lang="ru-RU" dirty="0" smtClean="0">
+                <a:solidFill>
+                  <a:schemeClr val="tx2">
+                    <a:lumMod val="75000"/>
+                  </a:schemeClr>
+                </a:solidFill>
+              </a:rPr>
+              <a:t>Портретное изображение       Набросок      Результат переноса стиля</a:t>
+            </a:r>
+            <a:endParaRPr lang="ru-RU" dirty="0">
+              <a:solidFill>
+                <a:schemeClr val="tx2">
+                  <a:lumMod val="75000"/>
+                </a:schemeClr>
+              </a:solidFill>
+            </a:endParaRPr>
+          </a:p>
+        </p:txBody>
+      </p:sp>
     </p:spTree>
     <p:extLst>
       <p:ext uri="{BB962C8B-B14F-4D97-AF65-F5344CB8AC3E}">
@@ -7246,6 +8056,16 @@
           <a:lstStyle/>
           <a:p>
             <a:r>
+              <a:rPr lang="ru-RU" sz="1400" dirty="0">
+                <a:solidFill>
+                  <a:schemeClr val="tx2">
+                    <a:lumMod val="75000"/>
+                  </a:schemeClr>
+                </a:solidFill>
+              </a:rPr>
+              <a:t>9</a:t>
+            </a:r>
+            <a:r>
               <a:rPr lang="en-US" sz="1400" dirty="0" smtClean="0">
                 <a:solidFill>
                   <a:schemeClr val="tx2">
@@ -7253,7 +8073,17 @@
                   </a:schemeClr>
                 </a:solidFill>
               </a:rPr>
-              <a:t>11/12</a:t>
+              <a:t>/1</a:t>
+            </a:r>
+            <a:r>
+              <a:rPr lang="ru-RU" sz="1400" dirty="0" smtClean="0">
+                <a:solidFill>
+                  <a:schemeClr val="tx2">
+                    <a:lumMod val="75000"/>
+                  </a:schemeClr>
+                </a:solidFill>
+              </a:rPr>
+              <a:t>0</a:t>
             </a:r>
             <a:endParaRPr lang="ru-RU" sz="1400" dirty="0">
               <a:solidFill>
@@ -7380,7 +8210,47 @@
                   </a:schemeClr>
                 </a:solidFill>
               </a:rPr>
-              <a:t>Проведено исследование переноса стиля изображения при помощи нейронной сети</a:t>
+              <a:t>Проведено исследование переноса стиля изображения при помощи нейронной </a:t>
+            </a:r>
+            <a:r>
+              <a:rPr lang="ru-RU" sz="2400" dirty="0" smtClean="0">
+                <a:solidFill>
+                  <a:schemeClr val="tx2">
+                    <a:lumMod val="75000"/>
+                  </a:schemeClr>
+                </a:solidFill>
+              </a:rPr>
+              <a:t>сети</a:t>
+            </a:r>
+            <a:r>
+              <a:rPr lang="ru-RU" sz="2400" dirty="0">
+                <a:solidFill>
+                  <a:schemeClr val="tx2">
+                    <a:lumMod val="75000"/>
+                  </a:schemeClr>
+                </a:solidFill>
+              </a:rPr>
+              <a:t>. Перенос стиля наброска сократил </a:t>
+            </a:r>
+            <a:r>
+              <a:rPr lang="ru-RU" sz="2400" dirty="0" smtClean="0">
+                <a:solidFill>
+                  <a:schemeClr val="tx2">
+                    <a:lumMod val="75000"/>
+                  </a:schemeClr>
+                </a:solidFill>
+              </a:rPr>
+              <a:t>евклидово </a:t>
+            </a:r>
+            <a:r>
+              <a:rPr lang="ru-RU" sz="2400" dirty="0">
+                <a:solidFill>
+                  <a:schemeClr val="tx2">
+                    <a:lumMod val="75000"/>
+                  </a:schemeClr>
+                </a:solidFill>
+              </a:rPr>
+              <a:t>расстояние между фото и наброском в 1,1 раз</a:t>
             </a:r>
             <a:r>
               <a:rPr lang="en-US" sz="2400" dirty="0" smtClean="0">
